--- a/Agentic RAG Chatbot for Multi-Format Document QA.pptx
+++ b/Agentic RAG Chatbot for Multi-Format Document QA.pptx
@@ -7,8 +7,8 @@
   <p:sldIdLst>
     <p:sldId id="256" r:id="rId2"/>
     <p:sldId id="257" r:id="rId3"/>
-    <p:sldId id="258" r:id="rId4"/>
-    <p:sldId id="267" r:id="rId5"/>
+    <p:sldId id="267" r:id="rId4"/>
+    <p:sldId id="258" r:id="rId5"/>
     <p:sldId id="260" r:id="rId6"/>
     <p:sldId id="263" r:id="rId7"/>
     <p:sldId id="264" r:id="rId8"/>
@@ -4081,213 +4081,6 @@
           <p:cNvPr id="2" name="Title 1">
             <a:extLst>
               <a:ext uri="{FF2B5EF4-FFF2-40B4-BE49-F238E27FC236}">
-                <a16:creationId xmlns:a16="http://schemas.microsoft.com/office/drawing/2014/main" id="{F3331C2A-30B1-EAF9-B9AB-94762DA27779}"/>
-              </a:ext>
-            </a:extLst>
-          </p:cNvPr>
-          <p:cNvSpPr>
-            <a:spLocks noGrp="1"/>
-          </p:cNvSpPr>
-          <p:nvPr>
-            <p:ph type="title"/>
-          </p:nvPr>
-        </p:nvSpPr>
-        <p:spPr/>
-        <p:txBody>
-          <a:bodyPr/>
-          <a:lstStyle/>
-          <a:p>
-            <a:r>
-              <a:rPr lang="en-IN" dirty="0"/>
-              <a:t>MCP Message Example</a:t>
-            </a:r>
-          </a:p>
-        </p:txBody>
-      </p:sp>
-      <p:sp>
-        <p:nvSpPr>
-          <p:cNvPr id="3" name="Content Placeholder 2">
-            <a:extLst>
-              <a:ext uri="{FF2B5EF4-FFF2-40B4-BE49-F238E27FC236}">
-                <a16:creationId xmlns:a16="http://schemas.microsoft.com/office/drawing/2014/main" id="{0FADE62C-7F7E-8534-183D-C1F8FEFB442E}"/>
-              </a:ext>
-            </a:extLst>
-          </p:cNvPr>
-          <p:cNvSpPr>
-            <a:spLocks noGrp="1"/>
-          </p:cNvSpPr>
-          <p:nvPr>
-            <p:ph idx="1"/>
-          </p:nvPr>
-        </p:nvSpPr>
-        <p:spPr/>
-        <p:txBody>
-          <a:bodyPr>
-            <a:normAutofit/>
-          </a:bodyPr>
-          <a:lstStyle/>
-          <a:p>
-            <a:pPr marL="1608560" lvl="8" indent="0">
-              <a:buNone/>
-            </a:pPr>
-            <a:r>
-              <a:rPr lang="en-IN" sz="2000" dirty="0"/>
-              <a:t>{</a:t>
-            </a:r>
-          </a:p>
-          <a:p>
-            <a:pPr marL="1608560" lvl="8" indent="0">
-              <a:buNone/>
-            </a:pPr>
-            <a:r>
-              <a:rPr lang="en-IN" sz="2000" dirty="0"/>
-              <a:t>  "sender": "</a:t>
-            </a:r>
-            <a:r>
-              <a:rPr lang="en-IN" sz="2000" dirty="0" err="1"/>
-              <a:t>RetrievalAgent</a:t>
-            </a:r>
-            <a:r>
-              <a:rPr lang="en-IN" sz="2000" dirty="0"/>
-              <a:t>",</a:t>
-            </a:r>
-          </a:p>
-          <a:p>
-            <a:pPr marL="1608560" lvl="8" indent="0">
-              <a:buNone/>
-            </a:pPr>
-            <a:r>
-              <a:rPr lang="en-IN" sz="2000" dirty="0"/>
-              <a:t>  "receiver": "</a:t>
-            </a:r>
-            <a:r>
-              <a:rPr lang="en-IN" sz="2000" dirty="0" err="1"/>
-              <a:t>LLMResponseAgent</a:t>
-            </a:r>
-            <a:r>
-              <a:rPr lang="en-IN" sz="2000" dirty="0"/>
-              <a:t>",</a:t>
-            </a:r>
-          </a:p>
-          <a:p>
-            <a:pPr marL="1608560" lvl="8" indent="0">
-              <a:buNone/>
-            </a:pPr>
-            <a:r>
-              <a:rPr lang="en-IN" sz="2000" dirty="0"/>
-              <a:t>  "type": "CONTEXT_RESPONSE",</a:t>
-            </a:r>
-          </a:p>
-          <a:p>
-            <a:pPr marL="1608560" lvl="8" indent="0">
-              <a:buNone/>
-            </a:pPr>
-            <a:r>
-              <a:rPr lang="en-IN" sz="2000" dirty="0"/>
-              <a:t>  "</a:t>
-            </a:r>
-            <a:r>
-              <a:rPr lang="en-IN" sz="2000" dirty="0" err="1"/>
-              <a:t>trace_id</a:t>
-            </a:r>
-            <a:r>
-              <a:rPr lang="en-IN" sz="2000" dirty="0"/>
-              <a:t>": "abc-123",</a:t>
-            </a:r>
-          </a:p>
-          <a:p>
-            <a:pPr marL="1608560" lvl="8" indent="0">
-              <a:buNone/>
-            </a:pPr>
-            <a:r>
-              <a:rPr lang="en-IN" sz="2000" dirty="0"/>
-              <a:t>  "payload": {</a:t>
-            </a:r>
-          </a:p>
-          <a:p>
-            <a:pPr marL="1608560" lvl="8" indent="0">
-              <a:buNone/>
-            </a:pPr>
-            <a:r>
-              <a:rPr lang="en-IN" sz="2000" dirty="0"/>
-              <a:t>    "</a:t>
-            </a:r>
-            <a:r>
-              <a:rPr lang="en-IN" sz="2000" dirty="0" err="1"/>
-              <a:t>top_chunks</a:t>
-            </a:r>
-            <a:r>
-              <a:rPr lang="en-IN" sz="2000" dirty="0"/>
-              <a:t>": ["Chunk 1...", "Chunk 2..."],</a:t>
-            </a:r>
-          </a:p>
-          <a:p>
-            <a:pPr marL="1608560" lvl="8" indent="0">
-              <a:buNone/>
-            </a:pPr>
-            <a:r>
-              <a:rPr lang="en-IN" sz="2000" dirty="0"/>
-              <a:t>    "query": "What are the KPIs?"</a:t>
-            </a:r>
-          </a:p>
-          <a:p>
-            <a:pPr marL="1608560" lvl="8" indent="0">
-              <a:buNone/>
-            </a:pPr>
-            <a:r>
-              <a:rPr lang="en-IN" sz="2000" dirty="0"/>
-              <a:t>  }</a:t>
-            </a:r>
-          </a:p>
-          <a:p>
-            <a:pPr marL="1608560" lvl="8" indent="0">
-              <a:buNone/>
-            </a:pPr>
-            <a:r>
-              <a:rPr lang="en-IN" sz="2000" dirty="0"/>
-              <a:t>}</a:t>
-            </a:r>
-          </a:p>
-          <a:p>
-            <a:endParaRPr lang="en-IN" dirty="0"/>
-          </a:p>
-        </p:txBody>
-      </p:sp>
-    </p:spTree>
-    <p:extLst>
-      <p:ext uri="{BB962C8B-B14F-4D97-AF65-F5344CB8AC3E}">
-        <p14:creationId xmlns:p14="http://schemas.microsoft.com/office/powerpoint/2010/main" val="3224105838"/>
-      </p:ext>
-    </p:extLst>
-  </p:cSld>
-  <p:clrMapOvr>
-    <a:masterClrMapping/>
-  </p:clrMapOvr>
-</p:sld>
-</file>
-
-<file path=ppt/slides/slide4.xml><?xml version="1.0" encoding="utf-8"?>
-<p:sld xmlns:a="http://schemas.openxmlformats.org/drawingml/2006/main" xmlns:r="http://schemas.openxmlformats.org/officeDocument/2006/relationships" xmlns:p="http://schemas.openxmlformats.org/presentationml/2006/main">
-  <p:cSld>
-    <p:spTree>
-      <p:nvGrpSpPr>
-        <p:cNvPr id="1" name=""/>
-        <p:cNvGrpSpPr/>
-        <p:nvPr/>
-      </p:nvGrpSpPr>
-      <p:grpSpPr>
-        <a:xfrm>
-          <a:off x="0" y="0"/>
-          <a:ext cx="0" cy="0"/>
-          <a:chOff x="0" y="0"/>
-          <a:chExt cx="0" cy="0"/>
-        </a:xfrm>
-      </p:grpSpPr>
-      <p:sp>
-        <p:nvSpPr>
-          <p:cNvPr id="2" name="Title 1">
-            <a:extLst>
-              <a:ext uri="{FF2B5EF4-FFF2-40B4-BE49-F238E27FC236}">
                 <a16:creationId xmlns:a16="http://schemas.microsoft.com/office/drawing/2014/main" id="{02A1C8A6-C645-708A-98F9-07600A4C791C}"/>
               </a:ext>
             </a:extLst>
@@ -4346,6 +4139,213 @@
     <p:extLst>
       <p:ext uri="{BB962C8B-B14F-4D97-AF65-F5344CB8AC3E}">
         <p14:creationId xmlns:p14="http://schemas.microsoft.com/office/powerpoint/2010/main" val="2979329194"/>
+      </p:ext>
+    </p:extLst>
+  </p:cSld>
+  <p:clrMapOvr>
+    <a:masterClrMapping/>
+  </p:clrMapOvr>
+</p:sld>
+</file>
+
+<file path=ppt/slides/slide4.xml><?xml version="1.0" encoding="utf-8"?>
+<p:sld xmlns:a="http://schemas.openxmlformats.org/drawingml/2006/main" xmlns:r="http://schemas.openxmlformats.org/officeDocument/2006/relationships" xmlns:p="http://schemas.openxmlformats.org/presentationml/2006/main">
+  <p:cSld>
+    <p:spTree>
+      <p:nvGrpSpPr>
+        <p:cNvPr id="1" name=""/>
+        <p:cNvGrpSpPr/>
+        <p:nvPr/>
+      </p:nvGrpSpPr>
+      <p:grpSpPr>
+        <a:xfrm>
+          <a:off x="0" y="0"/>
+          <a:ext cx="0" cy="0"/>
+          <a:chOff x="0" y="0"/>
+          <a:chExt cx="0" cy="0"/>
+        </a:xfrm>
+      </p:grpSpPr>
+      <p:sp>
+        <p:nvSpPr>
+          <p:cNvPr id="2" name="Title 1">
+            <a:extLst>
+              <a:ext uri="{FF2B5EF4-FFF2-40B4-BE49-F238E27FC236}">
+                <a16:creationId xmlns:a16="http://schemas.microsoft.com/office/drawing/2014/main" id="{F3331C2A-30B1-EAF9-B9AB-94762DA27779}"/>
+              </a:ext>
+            </a:extLst>
+          </p:cNvPr>
+          <p:cNvSpPr>
+            <a:spLocks noGrp="1"/>
+          </p:cNvSpPr>
+          <p:nvPr>
+            <p:ph type="title"/>
+          </p:nvPr>
+        </p:nvSpPr>
+        <p:spPr/>
+        <p:txBody>
+          <a:bodyPr/>
+          <a:lstStyle/>
+          <a:p>
+            <a:r>
+              <a:rPr lang="en-IN" dirty="0"/>
+              <a:t>MCP Message Example</a:t>
+            </a:r>
+          </a:p>
+        </p:txBody>
+      </p:sp>
+      <p:sp>
+        <p:nvSpPr>
+          <p:cNvPr id="3" name="Content Placeholder 2">
+            <a:extLst>
+              <a:ext uri="{FF2B5EF4-FFF2-40B4-BE49-F238E27FC236}">
+                <a16:creationId xmlns:a16="http://schemas.microsoft.com/office/drawing/2014/main" id="{0FADE62C-7F7E-8534-183D-C1F8FEFB442E}"/>
+              </a:ext>
+            </a:extLst>
+          </p:cNvPr>
+          <p:cNvSpPr>
+            <a:spLocks noGrp="1"/>
+          </p:cNvSpPr>
+          <p:nvPr>
+            <p:ph idx="1"/>
+          </p:nvPr>
+        </p:nvSpPr>
+        <p:spPr/>
+        <p:txBody>
+          <a:bodyPr>
+            <a:normAutofit/>
+          </a:bodyPr>
+          <a:lstStyle/>
+          <a:p>
+            <a:pPr marL="1608560" lvl="8" indent="0">
+              <a:buNone/>
+            </a:pPr>
+            <a:r>
+              <a:rPr lang="en-IN" sz="2000" dirty="0"/>
+              <a:t>{</a:t>
+            </a:r>
+          </a:p>
+          <a:p>
+            <a:pPr marL="1608560" lvl="8" indent="0">
+              <a:buNone/>
+            </a:pPr>
+            <a:r>
+              <a:rPr lang="en-IN" sz="2000" dirty="0"/>
+              <a:t>  "sender": "</a:t>
+            </a:r>
+            <a:r>
+              <a:rPr lang="en-IN" sz="2000" dirty="0" err="1"/>
+              <a:t>RetrievalAgent</a:t>
+            </a:r>
+            <a:r>
+              <a:rPr lang="en-IN" sz="2000" dirty="0"/>
+              <a:t>",</a:t>
+            </a:r>
+          </a:p>
+          <a:p>
+            <a:pPr marL="1608560" lvl="8" indent="0">
+              <a:buNone/>
+            </a:pPr>
+            <a:r>
+              <a:rPr lang="en-IN" sz="2000" dirty="0"/>
+              <a:t>  "receiver": "</a:t>
+            </a:r>
+            <a:r>
+              <a:rPr lang="en-IN" sz="2000" dirty="0" err="1"/>
+              <a:t>LLMResponseAgent</a:t>
+            </a:r>
+            <a:r>
+              <a:rPr lang="en-IN" sz="2000" dirty="0"/>
+              <a:t>",</a:t>
+            </a:r>
+          </a:p>
+          <a:p>
+            <a:pPr marL="1608560" lvl="8" indent="0">
+              <a:buNone/>
+            </a:pPr>
+            <a:r>
+              <a:rPr lang="en-IN" sz="2000" dirty="0"/>
+              <a:t>  "type": "CONTEXT_RESPONSE",</a:t>
+            </a:r>
+          </a:p>
+          <a:p>
+            <a:pPr marL="1608560" lvl="8" indent="0">
+              <a:buNone/>
+            </a:pPr>
+            <a:r>
+              <a:rPr lang="en-IN" sz="2000" dirty="0"/>
+              <a:t>  "</a:t>
+            </a:r>
+            <a:r>
+              <a:rPr lang="en-IN" sz="2000" dirty="0" err="1"/>
+              <a:t>trace_id</a:t>
+            </a:r>
+            <a:r>
+              <a:rPr lang="en-IN" sz="2000" dirty="0"/>
+              <a:t>": "abc-123",</a:t>
+            </a:r>
+          </a:p>
+          <a:p>
+            <a:pPr marL="1608560" lvl="8" indent="0">
+              <a:buNone/>
+            </a:pPr>
+            <a:r>
+              <a:rPr lang="en-IN" sz="2000" dirty="0"/>
+              <a:t>  "payload": {</a:t>
+            </a:r>
+          </a:p>
+          <a:p>
+            <a:pPr marL="1608560" lvl="8" indent="0">
+              <a:buNone/>
+            </a:pPr>
+            <a:r>
+              <a:rPr lang="en-IN" sz="2000" dirty="0"/>
+              <a:t>    "</a:t>
+            </a:r>
+            <a:r>
+              <a:rPr lang="en-IN" sz="2000" dirty="0" err="1"/>
+              <a:t>top_chunks</a:t>
+            </a:r>
+            <a:r>
+              <a:rPr lang="en-IN" sz="2000" dirty="0"/>
+              <a:t>": ["Chunk 1...", "Chunk 2..."],</a:t>
+            </a:r>
+          </a:p>
+          <a:p>
+            <a:pPr marL="1608560" lvl="8" indent="0">
+              <a:buNone/>
+            </a:pPr>
+            <a:r>
+              <a:rPr lang="en-IN" sz="2000" dirty="0"/>
+              <a:t>    "query": "What are the KPIs?"</a:t>
+            </a:r>
+          </a:p>
+          <a:p>
+            <a:pPr marL="1608560" lvl="8" indent="0">
+              <a:buNone/>
+            </a:pPr>
+            <a:r>
+              <a:rPr lang="en-IN" sz="2000" dirty="0"/>
+              <a:t>  }</a:t>
+            </a:r>
+          </a:p>
+          <a:p>
+            <a:pPr marL="1608560" lvl="8" indent="0">
+              <a:buNone/>
+            </a:pPr>
+            <a:r>
+              <a:rPr lang="en-IN" sz="2000" dirty="0"/>
+              <a:t>}</a:t>
+            </a:r>
+          </a:p>
+          <a:p>
+            <a:endParaRPr lang="en-IN" dirty="0"/>
+          </a:p>
+        </p:txBody>
+      </p:sp>
+    </p:spTree>
+    <p:extLst>
+      <p:ext uri="{BB962C8B-B14F-4D97-AF65-F5344CB8AC3E}">
+        <p14:creationId xmlns:p14="http://schemas.microsoft.com/office/powerpoint/2010/main" val="3224105838"/>
       </p:ext>
     </p:extLst>
   </p:cSld>
